--- a/Bachelor thesis.pptx
+++ b/Bachelor thesis.pptx
@@ -330,7 +330,7 @@
           <a:p>
             <a:fld id="{92538219-6E45-4D12-B767-46F92D5844D4}" type="datetime1">
               <a:rPr lang="en-US" smtClean="0"/>
-              <a:t>1/23/2024</a:t>
+              <a:t>1/24/2024</a:t>
             </a:fld>
             <a:endParaRPr lang="en-US"/>
           </a:p>
@@ -528,7 +528,7 @@
           <a:p>
             <a:fld id="{836430B8-6059-41E5-A5DC-C07A76F5859A}" type="datetime1">
               <a:rPr lang="en-US" smtClean="0"/>
-              <a:t>1/23/2024</a:t>
+              <a:t>1/24/2024</a:t>
             </a:fld>
             <a:endParaRPr lang="en-US"/>
           </a:p>
@@ -790,7 +790,7 @@
           <a:p>
             <a:fld id="{A09D0CB7-D16E-4358-B7F4-EA4A24554592}" type="datetime1">
               <a:rPr lang="en-US" smtClean="0"/>
-              <a:t>1/23/2024</a:t>
+              <a:t>1/24/2024</a:t>
             </a:fld>
             <a:endParaRPr lang="en-US"/>
           </a:p>
@@ -1006,7 +1006,7 @@
           <a:p>
             <a:fld id="{8BB296A2-D8F0-4E17-BFD0-A6C902250D59}" type="datetime1">
               <a:rPr lang="en-US" smtClean="0"/>
-              <a:t>1/23/2024</a:t>
+              <a:t>1/24/2024</a:t>
             </a:fld>
             <a:endParaRPr lang="en-US"/>
           </a:p>
@@ -1336,7 +1336,7 @@
           <a:p>
             <a:fld id="{D9108C9C-1ACB-4C84-A002-C7E0E45B937A}" type="datetime1">
               <a:rPr lang="en-US" smtClean="0"/>
-              <a:t>1/23/2024</a:t>
+              <a:t>1/24/2024</a:t>
             </a:fld>
             <a:endParaRPr lang="en-US"/>
           </a:p>
@@ -1609,7 +1609,7 @@
           <a:p>
             <a:fld id="{F49AF2A5-B297-4977-9E5B-4D3050E23689}" type="datetime1">
               <a:rPr lang="en-US" smtClean="0"/>
-              <a:t>1/23/2024</a:t>
+              <a:t>1/24/2024</a:t>
             </a:fld>
             <a:endParaRPr lang="en-US"/>
           </a:p>
@@ -2024,7 +2024,7 @@
           <a:p>
             <a:fld id="{70127434-4794-409A-9547-04789BA47588}" type="datetime1">
               <a:rPr lang="en-US" smtClean="0"/>
-              <a:t>1/23/2024</a:t>
+              <a:t>1/24/2024</a:t>
             </a:fld>
             <a:endParaRPr lang="en-US"/>
           </a:p>
@@ -2165,7 +2165,7 @@
           <a:p>
             <a:fld id="{85658635-357A-4E3D-B824-A5CEFDB8449C}" type="datetime1">
               <a:rPr lang="en-US" smtClean="0"/>
-              <a:t>1/23/2024</a:t>
+              <a:t>1/24/2024</a:t>
             </a:fld>
             <a:endParaRPr lang="en-US"/>
           </a:p>
@@ -2278,7 +2278,7 @@
           <a:p>
             <a:fld id="{7E86FF77-2719-4AD0-8740-0B90FF5D1EFB}" type="datetime1">
               <a:rPr lang="en-US" smtClean="0"/>
-              <a:t>1/23/2024</a:t>
+              <a:t>1/24/2024</a:t>
             </a:fld>
             <a:endParaRPr lang="en-US"/>
           </a:p>
@@ -2774,7 +2774,7 @@
           <a:p>
             <a:fld id="{6E441C83-1089-48B9-8B65-293D4C236D35}" type="datetime1">
               <a:rPr lang="en-US" smtClean="0"/>
-              <a:t>1/23/2024</a:t>
+              <a:t>1/24/2024</a:t>
             </a:fld>
             <a:endParaRPr lang="en-US"/>
           </a:p>
@@ -3250,7 +3250,7 @@
           <a:p>
             <a:fld id="{D162FE45-CC1E-47DB-8B82-6CF0636FBDB8}" type="datetime1">
               <a:rPr lang="en-US" smtClean="0"/>
-              <a:t>1/23/2024</a:t>
+              <a:t>1/24/2024</a:t>
             </a:fld>
             <a:endParaRPr lang="en-US"/>
           </a:p>
@@ -3545,7 +3545,7 @@
           <a:p>
             <a:fld id="{51FC8E16-3C03-4238-9C6F-B34F3D10F77E}" type="datetime1">
               <a:rPr lang="en-US" smtClean="0"/>
-              <a:t>1/23/2024</a:t>
+              <a:t>1/24/2024</a:t>
             </a:fld>
             <a:endParaRPr lang="en-US" dirty="0"/>
           </a:p>
@@ -5255,12 +5255,12 @@
               <a:buAutoNum type="arabicPeriod"/>
             </a:pPr>
             <a:r>
-              <a:rPr lang="pl-PL">
+              <a:rPr lang="pl-PL" dirty="0" err="1">
                 <a:solidFill>
                   <a:schemeClr val="accent3"/>
                 </a:solidFill>
               </a:rPr>
-              <a:t>Forecasting</a:t>
+              <a:t>Implement</a:t>
             </a:r>
             <a:r>
               <a:rPr lang="pl-PL" dirty="0">
@@ -5276,6 +5276,40 @@
                   <a:schemeClr val="accent3"/>
                 </a:solidFill>
               </a:rPr>
+              <a:t>splitters</a:t>
+            </a:r>
+            <a:endParaRPr lang="pl-PL" dirty="0">
+              <a:solidFill>
+                <a:schemeClr val="accent3"/>
+              </a:solidFill>
+            </a:endParaRPr>
+          </a:p>
+          <a:p>
+            <a:pPr marL="457200" indent="-457200">
+              <a:buAutoNum type="arabicPeriod"/>
+            </a:pPr>
+            <a:r>
+              <a:rPr lang="pl-PL" dirty="0" err="1">
+                <a:solidFill>
+                  <a:schemeClr val="accent3"/>
+                </a:solidFill>
+              </a:rPr>
+              <a:t>Forecasting</a:t>
+            </a:r>
+            <a:r>
+              <a:rPr lang="pl-PL" dirty="0">
+                <a:solidFill>
+                  <a:schemeClr val="accent3"/>
+                </a:solidFill>
+              </a:rPr>
+              <a:t> </a:t>
+            </a:r>
+            <a:r>
+              <a:rPr lang="pl-PL" dirty="0" err="1">
+                <a:solidFill>
+                  <a:schemeClr val="accent3"/>
+                </a:solidFill>
+              </a:rPr>
               <a:t>Pipeline</a:t>
             </a:r>
             <a:r>
@@ -5286,6 +5320,28 @@
               </a:rPr>
               <a:t> [27.01.2024]</a:t>
             </a:r>
+          </a:p>
+          <a:p>
+            <a:pPr marL="457200" indent="-457200">
+              <a:buAutoNum type="arabicPeriod"/>
+            </a:pPr>
+            <a:r>
+              <a:rPr lang="pl-PL" dirty="0" err="1"/>
+              <a:t>Implement</a:t>
+            </a:r>
+            <a:r>
+              <a:rPr lang="pl-PL" dirty="0"/>
+              <a:t> </a:t>
+            </a:r>
+            <a:r>
+              <a:rPr lang="pl-PL" dirty="0" err="1"/>
+              <a:t>Multiplexing</a:t>
+            </a:r>
+            <a:r>
+              <a:rPr lang="pl-PL"/>
+              <a:t> [27.01.2024]</a:t>
+            </a:r>
+            <a:endParaRPr lang="pl-PL" dirty="0"/>
           </a:p>
           <a:p>
             <a:pPr marL="457200" indent="-457200">

--- a/Bachelor thesis.pptx
+++ b/Bachelor thesis.pptx
@@ -330,7 +330,7 @@
           <a:p>
             <a:fld id="{92538219-6E45-4D12-B767-46F92D5844D4}" type="datetime1">
               <a:rPr lang="en-US" smtClean="0"/>
-              <a:t>1/24/2024</a:t>
+              <a:t>2/2/2024</a:t>
             </a:fld>
             <a:endParaRPr lang="en-US"/>
           </a:p>
@@ -528,7 +528,7 @@
           <a:p>
             <a:fld id="{836430B8-6059-41E5-A5DC-C07A76F5859A}" type="datetime1">
               <a:rPr lang="en-US" smtClean="0"/>
-              <a:t>1/24/2024</a:t>
+              <a:t>2/2/2024</a:t>
             </a:fld>
             <a:endParaRPr lang="en-US"/>
           </a:p>
@@ -790,7 +790,7 @@
           <a:p>
             <a:fld id="{A09D0CB7-D16E-4358-B7F4-EA4A24554592}" type="datetime1">
               <a:rPr lang="en-US" smtClean="0"/>
-              <a:t>1/24/2024</a:t>
+              <a:t>2/2/2024</a:t>
             </a:fld>
             <a:endParaRPr lang="en-US"/>
           </a:p>
@@ -1006,7 +1006,7 @@
           <a:p>
             <a:fld id="{8BB296A2-D8F0-4E17-BFD0-A6C902250D59}" type="datetime1">
               <a:rPr lang="en-US" smtClean="0"/>
-              <a:t>1/24/2024</a:t>
+              <a:t>2/2/2024</a:t>
             </a:fld>
             <a:endParaRPr lang="en-US"/>
           </a:p>
@@ -1336,7 +1336,7 @@
           <a:p>
             <a:fld id="{D9108C9C-1ACB-4C84-A002-C7E0E45B937A}" type="datetime1">
               <a:rPr lang="en-US" smtClean="0"/>
-              <a:t>1/24/2024</a:t>
+              <a:t>2/2/2024</a:t>
             </a:fld>
             <a:endParaRPr lang="en-US"/>
           </a:p>
@@ -1609,7 +1609,7 @@
           <a:p>
             <a:fld id="{F49AF2A5-B297-4977-9E5B-4D3050E23689}" type="datetime1">
               <a:rPr lang="en-US" smtClean="0"/>
-              <a:t>1/24/2024</a:t>
+              <a:t>2/2/2024</a:t>
             </a:fld>
             <a:endParaRPr lang="en-US"/>
           </a:p>
@@ -2024,7 +2024,7 @@
           <a:p>
             <a:fld id="{70127434-4794-409A-9547-04789BA47588}" type="datetime1">
               <a:rPr lang="en-US" smtClean="0"/>
-              <a:t>1/24/2024</a:t>
+              <a:t>2/2/2024</a:t>
             </a:fld>
             <a:endParaRPr lang="en-US"/>
           </a:p>
@@ -2165,7 +2165,7 @@
           <a:p>
             <a:fld id="{85658635-357A-4E3D-B824-A5CEFDB8449C}" type="datetime1">
               <a:rPr lang="en-US" smtClean="0"/>
-              <a:t>1/24/2024</a:t>
+              <a:t>2/2/2024</a:t>
             </a:fld>
             <a:endParaRPr lang="en-US"/>
           </a:p>
@@ -2278,7 +2278,7 @@
           <a:p>
             <a:fld id="{7E86FF77-2719-4AD0-8740-0B90FF5D1EFB}" type="datetime1">
               <a:rPr lang="en-US" smtClean="0"/>
-              <a:t>1/24/2024</a:t>
+              <a:t>2/2/2024</a:t>
             </a:fld>
             <a:endParaRPr lang="en-US"/>
           </a:p>
@@ -2774,7 +2774,7 @@
           <a:p>
             <a:fld id="{6E441C83-1089-48B9-8B65-293D4C236D35}" type="datetime1">
               <a:rPr lang="en-US" smtClean="0"/>
-              <a:t>1/24/2024</a:t>
+              <a:t>2/2/2024</a:t>
             </a:fld>
             <a:endParaRPr lang="en-US"/>
           </a:p>
@@ -3250,7 +3250,7 @@
           <a:p>
             <a:fld id="{D162FE45-CC1E-47DB-8B82-6CF0636FBDB8}" type="datetime1">
               <a:rPr lang="en-US" smtClean="0"/>
-              <a:t>1/24/2024</a:t>
+              <a:t>2/2/2024</a:t>
             </a:fld>
             <a:endParaRPr lang="en-US"/>
           </a:p>
@@ -3545,7 +3545,7 @@
           <a:p>
             <a:fld id="{51FC8E16-3C03-4238-9C6F-B34F3D10F77E}" type="datetime1">
               <a:rPr lang="en-US" smtClean="0"/>
-              <a:t>1/24/2024</a:t>
+              <a:t>2/2/2024</a:t>
             </a:fld>
             <a:endParaRPr lang="en-US" dirty="0"/>
           </a:p>
@@ -5326,22 +5326,37 @@
               <a:buAutoNum type="arabicPeriod"/>
             </a:pPr>
             <a:r>
-              <a:rPr lang="pl-PL" dirty="0" err="1"/>
+              <a:rPr lang="pl-PL" dirty="0" err="1">
+                <a:solidFill>
+                  <a:schemeClr val="accent3"/>
+                </a:solidFill>
+              </a:rPr>
               <a:t>Implement</a:t>
             </a:r>
             <a:r>
-              <a:rPr lang="pl-PL" dirty="0"/>
+              <a:rPr lang="pl-PL" dirty="0">
+                <a:solidFill>
+                  <a:schemeClr val="accent3"/>
+                </a:solidFill>
+              </a:rPr>
               <a:t> </a:t>
             </a:r>
             <a:r>
-              <a:rPr lang="pl-PL" dirty="0" err="1"/>
+              <a:rPr lang="pl-PL" dirty="0" err="1">
+                <a:solidFill>
+                  <a:schemeClr val="accent3"/>
+                </a:solidFill>
+              </a:rPr>
               <a:t>Multiplexing</a:t>
             </a:r>
             <a:r>
-              <a:rPr lang="pl-PL"/>
+              <a:rPr lang="pl-PL" dirty="0">
+                <a:solidFill>
+                  <a:schemeClr val="accent3"/>
+                </a:solidFill>
+              </a:rPr>
               <a:t> [27.01.2024]</a:t>
             </a:r>
-            <a:endParaRPr lang="pl-PL" dirty="0"/>
           </a:p>
           <a:p>
             <a:pPr marL="457200" indent="-457200">

--- a/Bachelor thesis.pptx
+++ b/Bachelor thesis.pptx
@@ -5326,12 +5326,41 @@
               <a:buAutoNum type="arabicPeriod"/>
             </a:pPr>
             <a:r>
+              <a:rPr lang="pl-PL" dirty="0">
+                <a:solidFill>
+                  <a:schemeClr val="accent3"/>
+                </a:solidFill>
+              </a:rPr>
+              <a:t>Best Model </a:t>
+            </a:r>
+            <a:r>
               <a:rPr lang="pl-PL" dirty="0" err="1">
                 <a:solidFill>
                   <a:schemeClr val="accent3"/>
                 </a:solidFill>
               </a:rPr>
-              <a:t>Implement</a:t>
+              <a:t>strategy</a:t>
+            </a:r>
+            <a:r>
+              <a:rPr lang="pl-PL" dirty="0">
+                <a:solidFill>
+                  <a:schemeClr val="accent3"/>
+                </a:solidFill>
+              </a:rPr>
+              <a:t> [27.01.2024]</a:t>
+            </a:r>
+          </a:p>
+          <a:p>
+            <a:pPr marL="457200" indent="-457200">
+              <a:buAutoNum type="arabicPeriod"/>
+            </a:pPr>
+            <a:r>
+              <a:rPr lang="pl-PL" dirty="0" err="1">
+                <a:solidFill>
+                  <a:schemeClr val="accent3"/>
+                </a:solidFill>
+              </a:rPr>
+              <a:t>Aggregation</a:t>
             </a:r>
             <a:r>
               <a:rPr lang="pl-PL" dirty="0">
@@ -5347,7 +5376,7 @@
                   <a:schemeClr val="accent3"/>
                 </a:solidFill>
               </a:rPr>
-              <a:t>Multiplexing</a:t>
+              <a:t>strategy</a:t>
             </a:r>
             <a:r>
               <a:rPr lang="pl-PL" dirty="0">
@@ -5356,15 +5385,6 @@
                 </a:solidFill>
               </a:rPr>
               <a:t> [27.01.2024]</a:t>
-            </a:r>
-          </a:p>
-          <a:p>
-            <a:pPr marL="457200" indent="-457200">
-              <a:buAutoNum type="arabicPeriod"/>
-            </a:pPr>
-            <a:r>
-              <a:rPr lang="pl-PL" dirty="0"/>
-              <a:t>Data postprocesor [27.01.2024]</a:t>
             </a:r>
           </a:p>
         </p:txBody>
@@ -5453,15 +5473,27 @@
               <a:buChar char="•"/>
             </a:pPr>
             <a:r>
-              <a:rPr lang="pl-PL" dirty="0"/>
+              <a:rPr lang="pl-PL" dirty="0">
+                <a:solidFill>
+                  <a:schemeClr val="accent3"/>
+                </a:solidFill>
+              </a:rPr>
               <a:t>Data </a:t>
             </a:r>
             <a:r>
-              <a:rPr lang="pl-PL" dirty="0" err="1"/>
+              <a:rPr lang="pl-PL" dirty="0" err="1">
+                <a:solidFill>
+                  <a:schemeClr val="accent3"/>
+                </a:solidFill>
+              </a:rPr>
               <a:t>Evaluator</a:t>
             </a:r>
             <a:r>
-              <a:rPr lang="pl-PL" dirty="0"/>
+              <a:rPr lang="pl-PL" dirty="0">
+                <a:solidFill>
+                  <a:schemeClr val="accent3"/>
+                </a:solidFill>
+              </a:rPr>
               <a:t> [28.01.2024]</a:t>
             </a:r>
           </a:p>
@@ -5471,15 +5503,27 @@
               <a:buChar char="•"/>
             </a:pPr>
             <a:r>
-              <a:rPr lang="pl-PL" dirty="0"/>
+              <a:rPr lang="pl-PL" dirty="0">
+                <a:solidFill>
+                  <a:schemeClr val="accent3"/>
+                </a:solidFill>
+              </a:rPr>
               <a:t>Time </a:t>
             </a:r>
             <a:r>
-              <a:rPr lang="pl-PL" dirty="0" err="1"/>
+              <a:rPr lang="pl-PL" dirty="0" err="1">
+                <a:solidFill>
+                  <a:schemeClr val="accent3"/>
+                </a:solidFill>
+              </a:rPr>
               <a:t>Evaluator</a:t>
             </a:r>
             <a:r>
-              <a:rPr lang="pl-PL" dirty="0"/>
+              <a:rPr lang="pl-PL" dirty="0">
+                <a:solidFill>
+                  <a:schemeClr val="accent3"/>
+                </a:solidFill>
+              </a:rPr>
               <a:t> [28.01.2024]</a:t>
             </a:r>
           </a:p>
